--- a/presentation/How to begin.pptx
+++ b/presentation/How to begin.pptx
@@ -5,10 +5,10 @@
     <p:sldMasterId id="2147483672" r:id="rId4"/>
   </p:sldMasterIdLst>
   <p:notesMasterIdLst>
-    <p:notesMasterId r:id="rId16"/>
+    <p:notesMasterId r:id="rId17"/>
   </p:notesMasterIdLst>
   <p:handoutMasterIdLst>
-    <p:handoutMasterId r:id="rId17"/>
+    <p:handoutMasterId r:id="rId18"/>
   </p:handoutMasterIdLst>
   <p:sldIdLst>
     <p:sldId id="256" r:id="rId5"/>
@@ -21,7 +21,8 @@
     <p:sldId id="268" r:id="rId12"/>
     <p:sldId id="270" r:id="rId13"/>
     <p:sldId id="271" r:id="rId14"/>
-    <p:sldId id="260" r:id="rId15"/>
+    <p:sldId id="272" r:id="rId15"/>
+    <p:sldId id="260" r:id="rId16"/>
   </p:sldIdLst>
   <p:sldSz cx="12192000" cy="6858000"/>
   <p:notesSz cx="6858000" cy="9144000"/>
@@ -3822,7 +3823,7 @@
           <a:p>
             <a:fld id="{AF869721-F543-4A6C-BF9D-65D7CC540427}" type="datetimeFigureOut">
               <a:rPr lang="en-US" smtClean="0"/>
-              <a:t>5/21/2020</a:t>
+              <a:t>5/22/2020</a:t>
             </a:fld>
             <a:endParaRPr lang="en-US" dirty="0"/>
           </a:p>
@@ -3999,7 +4000,7 @@
           <a:p>
             <a:fld id="{C732326A-4C88-4AFB-AA5B-5919D81DFF5B}" type="datetimeFigureOut">
               <a:rPr lang="en-US" smtClean="0"/>
-              <a:t>5/21/2020</a:t>
+              <a:t>5/22/2020</a:t>
             </a:fld>
             <a:endParaRPr lang="en-US" dirty="0"/>
           </a:p>
@@ -4761,6 +4762,20 @@
           <a:bodyPr/>
           <a:lstStyle/>
           <a:p>
+            <a:r>
+              <a:rPr lang="en-US" dirty="0" err="1"/>
+              <a:t>Time.sleep</a:t>
+            </a:r>
+            <a:r>
+              <a:rPr lang="en-US" dirty="0"/>
+              <a:t>() – try &amp; except, offset loop, append list of dictionary, start where left off from, handling missing data, don’t forget to turn off sleep </a:t>
+            </a:r>
+            <a:r>
+              <a:rPr lang="en-US" dirty="0">
+                <a:sym typeface="Wingdings" panose="05000000000000000000" pitchFamily="2" charset="2"/>
+              </a:rPr>
+              <a:t> </a:t>
+            </a:r>
             <a:endParaRPr lang="en-US" dirty="0"/>
           </a:p>
         </p:txBody>
@@ -4783,6 +4798,90 @@
             <a:fld id="{C6B3AB32-59DF-41F1-9618-EDFBF5049629}" type="slidenum">
               <a:rPr lang="en-US" smtClean="0"/>
               <a:t>11</a:t>
+            </a:fld>
+            <a:endParaRPr lang="en-US" dirty="0"/>
+          </a:p>
+        </p:txBody>
+      </p:sp>
+    </p:spTree>
+    <p:extLst>
+      <p:ext uri="{BB962C8B-B14F-4D97-AF65-F5344CB8AC3E}">
+        <p14:creationId xmlns:p14="http://schemas.microsoft.com/office/powerpoint/2010/main" val="1465551499"/>
+      </p:ext>
+    </p:extLst>
+  </p:cSld>
+  <p:clrMapOvr>
+    <a:masterClrMapping/>
+  </p:clrMapOvr>
+</p:notes>
+</file>
+
+<file path=ppt/notesSlides/notesSlide7.xml><?xml version="1.0" encoding="utf-8"?>
+<p:notes xmlns:a="http://schemas.openxmlformats.org/drawingml/2006/main" xmlns:r="http://schemas.openxmlformats.org/officeDocument/2006/relationships" xmlns:p="http://schemas.openxmlformats.org/presentationml/2006/main">
+  <p:cSld>
+    <p:spTree>
+      <p:nvGrpSpPr>
+        <p:cNvPr id="1" name=""/>
+        <p:cNvGrpSpPr/>
+        <p:nvPr/>
+      </p:nvGrpSpPr>
+      <p:grpSpPr>
+        <a:xfrm>
+          <a:off x="0" y="0"/>
+          <a:ext cx="0" cy="0"/>
+          <a:chOff x="0" y="0"/>
+          <a:chExt cx="0" cy="0"/>
+        </a:xfrm>
+      </p:grpSpPr>
+      <p:sp>
+        <p:nvSpPr>
+          <p:cNvPr id="2" name="Slide Image Placeholder 1"/>
+          <p:cNvSpPr>
+            <a:spLocks noGrp="1" noRot="1" noChangeAspect="1"/>
+          </p:cNvSpPr>
+          <p:nvPr>
+            <p:ph type="sldImg"/>
+          </p:nvPr>
+        </p:nvSpPr>
+        <p:spPr/>
+      </p:sp>
+      <p:sp>
+        <p:nvSpPr>
+          <p:cNvPr id="3" name="Notes Placeholder 2"/>
+          <p:cNvSpPr>
+            <a:spLocks noGrp="1"/>
+          </p:cNvSpPr>
+          <p:nvPr>
+            <p:ph type="body" idx="1"/>
+          </p:nvPr>
+        </p:nvSpPr>
+        <p:spPr/>
+        <p:txBody>
+          <a:bodyPr/>
+          <a:lstStyle/>
+          <a:p>
+            <a:endParaRPr lang="en-US" dirty="0"/>
+          </a:p>
+        </p:txBody>
+      </p:sp>
+      <p:sp>
+        <p:nvSpPr>
+          <p:cNvPr id="4" name="Slide Number Placeholder 3"/>
+          <p:cNvSpPr>
+            <a:spLocks noGrp="1"/>
+          </p:cNvSpPr>
+          <p:nvPr>
+            <p:ph type="sldNum" sz="quarter" idx="5"/>
+          </p:nvPr>
+        </p:nvSpPr>
+        <p:spPr/>
+        <p:txBody>
+          <a:bodyPr/>
+          <a:lstStyle/>
+          <a:p>
+            <a:fld id="{C6B3AB32-59DF-41F1-9618-EDFBF5049629}" type="slidenum">
+              <a:rPr lang="en-US" smtClean="0"/>
+              <a:t>12</a:t>
             </a:fld>
             <a:endParaRPr lang="en-US" dirty="0"/>
           </a:p>
@@ -5047,7 +5146,7 @@
             <a:fld id="{B61BEF0D-F0BB-DE4B-95CE-6DB70DBA9567}" type="datetimeFigureOut">
               <a:rPr lang="en-US" smtClean="0"/>
               <a:pPr/>
-              <a:t>5/21/2020</a:t>
+              <a:t>5/22/2020</a:t>
             </a:fld>
             <a:endParaRPr lang="en-US" dirty="0"/>
           </a:p>
@@ -5311,7 +5410,7 @@
             <a:fld id="{B61BEF0D-F0BB-DE4B-95CE-6DB70DBA9567}" type="datetimeFigureOut">
               <a:rPr lang="en-US" smtClean="0"/>
               <a:pPr/>
-              <a:t>5/21/2020</a:t>
+              <a:t>5/22/2020</a:t>
             </a:fld>
             <a:endParaRPr lang="en-US" dirty="0"/>
           </a:p>
@@ -5548,7 +5647,7 @@
             <a:fld id="{B61BEF0D-F0BB-DE4B-95CE-6DB70DBA9567}" type="datetimeFigureOut">
               <a:rPr lang="en-US" smtClean="0"/>
               <a:pPr/>
-              <a:t>5/21/2020</a:t>
+              <a:t>5/22/2020</a:t>
             </a:fld>
             <a:endParaRPr lang="en-US" dirty="0"/>
           </a:p>
@@ -5790,7 +5889,7 @@
             <a:fld id="{B61BEF0D-F0BB-DE4B-95CE-6DB70DBA9567}" type="datetimeFigureOut">
               <a:rPr lang="en-US" smtClean="0"/>
               <a:pPr/>
-              <a:t>5/21/2020</a:t>
+              <a:t>5/22/2020</a:t>
             </a:fld>
             <a:endParaRPr lang="en-US" dirty="0"/>
           </a:p>
@@ -6099,7 +6198,7 @@
             <a:fld id="{B61BEF0D-F0BB-DE4B-95CE-6DB70DBA9567}" type="datetimeFigureOut">
               <a:rPr lang="en-US" smtClean="0"/>
               <a:pPr/>
-              <a:t>5/21/2020</a:t>
+              <a:t>5/22/2020</a:t>
             </a:fld>
             <a:endParaRPr lang="en-US" dirty="0"/>
           </a:p>
@@ -6403,7 +6502,7 @@
             <a:fld id="{B61BEF0D-F0BB-DE4B-95CE-6DB70DBA9567}" type="datetimeFigureOut">
               <a:rPr lang="en-US" smtClean="0"/>
               <a:pPr/>
-              <a:t>5/21/2020</a:t>
+              <a:t>5/22/2020</a:t>
             </a:fld>
             <a:endParaRPr lang="en-US" dirty="0"/>
           </a:p>
@@ -6827,7 +6926,7 @@
             <a:fld id="{B61BEF0D-F0BB-DE4B-95CE-6DB70DBA9567}" type="datetimeFigureOut">
               <a:rPr lang="en-US" smtClean="0"/>
               <a:pPr/>
-              <a:t>5/21/2020</a:t>
+              <a:t>5/22/2020</a:t>
             </a:fld>
             <a:endParaRPr lang="en-US" dirty="0"/>
           </a:p>
@@ -6924,7 +7023,7 @@
             <a:fld id="{B61BEF0D-F0BB-DE4B-95CE-6DB70DBA9567}" type="datetimeFigureOut">
               <a:rPr lang="en-US" smtClean="0"/>
               <a:pPr/>
-              <a:t>5/21/2020</a:t>
+              <a:t>5/22/2020</a:t>
             </a:fld>
             <a:endParaRPr lang="en-US" dirty="0"/>
           </a:p>
@@ -7088,7 +7187,7 @@
             <a:fld id="{B61BEF0D-F0BB-DE4B-95CE-6DB70DBA9567}" type="datetimeFigureOut">
               <a:rPr lang="en-US" smtClean="0"/>
               <a:pPr/>
-              <a:t>5/21/2020</a:t>
+              <a:t>5/22/2020</a:t>
             </a:fld>
             <a:endParaRPr lang="en-US" dirty="0"/>
           </a:p>
@@ -7468,7 +7567,7 @@
             <a:fld id="{B61BEF0D-F0BB-DE4B-95CE-6DB70DBA9567}" type="datetimeFigureOut">
               <a:rPr lang="en-US" smtClean="0"/>
               <a:pPr/>
-              <a:t>5/21/2020</a:t>
+              <a:t>5/22/2020</a:t>
             </a:fld>
             <a:endParaRPr lang="en-US" dirty="0"/>
           </a:p>
@@ -7759,7 +7858,7 @@
             <a:fld id="{B61BEF0D-F0BB-DE4B-95CE-6DB70DBA9567}" type="datetimeFigureOut">
               <a:rPr lang="en-US" smtClean="0"/>
               <a:pPr/>
-              <a:t>5/21/2020</a:t>
+              <a:t>5/22/2020</a:t>
             </a:fld>
             <a:endParaRPr lang="en-US" dirty="0"/>
           </a:p>
@@ -7972,7 +8071,7 @@
             <a:fld id="{B61BEF0D-F0BB-DE4B-95CE-6DB70DBA9567}" type="datetimeFigureOut">
               <a:rPr lang="en-US" smtClean="0"/>
               <a:pPr/>
-              <a:t>5/21/2020</a:t>
+              <a:t>5/22/2020</a:t>
             </a:fld>
             <a:endParaRPr lang="en-US" dirty="0"/>
           </a:p>
@@ -8783,6 +8882,258 @@
 <file path=ppt/slides/slide11.xml><?xml version="1.0" encoding="utf-8"?>
 <p:sld xmlns:a="http://schemas.openxmlformats.org/drawingml/2006/main" xmlns:r="http://schemas.openxmlformats.org/officeDocument/2006/relationships" xmlns:p="http://schemas.openxmlformats.org/presentationml/2006/main">
   <p:cSld>
+    <p:spTree>
+      <p:nvGrpSpPr>
+        <p:cNvPr id="1" name=""/>
+        <p:cNvGrpSpPr/>
+        <p:nvPr/>
+      </p:nvGrpSpPr>
+      <p:grpSpPr>
+        <a:xfrm>
+          <a:off x="0" y="0"/>
+          <a:ext cx="0" cy="0"/>
+          <a:chOff x="0" y="0"/>
+          <a:chExt cx="0" cy="0"/>
+        </a:xfrm>
+      </p:grpSpPr>
+      <p:sp>
+        <p:nvSpPr>
+          <p:cNvPr id="4" name="Title 3">
+            <a:extLst>
+              <a:ext uri="{FF2B5EF4-FFF2-40B4-BE49-F238E27FC236}">
+                <a16:creationId xmlns:a16="http://schemas.microsoft.com/office/drawing/2014/main" id="{5B088566-90D8-4DF3-8226-CB158711ABBB}"/>
+              </a:ext>
+            </a:extLst>
+          </p:cNvPr>
+          <p:cNvSpPr>
+            <a:spLocks noGrp="1"/>
+          </p:cNvSpPr>
+          <p:nvPr>
+            <p:ph type="title" idx="4294967295"/>
+          </p:nvPr>
+        </p:nvSpPr>
+        <p:spPr>
+          <a:xfrm>
+            <a:off x="581191" y="723901"/>
+            <a:ext cx="5876053" cy="596899"/>
+          </a:xfrm>
+        </p:spPr>
+        <p:txBody>
+          <a:bodyPr vert="horz" lIns="91440" tIns="45720" rIns="91440" bIns="45720" rtlCol="0" anchor="b">
+            <a:normAutofit fontScale="90000"/>
+          </a:bodyPr>
+          <a:lstStyle/>
+          <a:p>
+            <a:br>
+              <a:rPr lang="en-US" dirty="0">
+                <a:solidFill>
+                  <a:schemeClr val="accent1"/>
+                </a:solidFill>
+              </a:rPr>
+            </a:br>
+            <a:br>
+              <a:rPr lang="en-US" dirty="0">
+                <a:solidFill>
+                  <a:schemeClr val="accent1"/>
+                </a:solidFill>
+              </a:rPr>
+            </a:br>
+            <a:r>
+              <a:rPr lang="en-US" dirty="0">
+                <a:solidFill>
+                  <a:schemeClr val="accent1"/>
+                </a:solidFill>
+              </a:rPr>
+              <a:t>Deeper dive – new databases</a:t>
+            </a:r>
+          </a:p>
+        </p:txBody>
+      </p:sp>
+      <p:pic>
+        <p:nvPicPr>
+          <p:cNvPr id="8" name="Graphic 7" descr="Database">
+            <a:extLst>
+              <a:ext uri="{FF2B5EF4-FFF2-40B4-BE49-F238E27FC236}">
+                <a16:creationId xmlns:a16="http://schemas.microsoft.com/office/drawing/2014/main" id="{311250E6-0391-4978-9F36-1F1F66D99814}"/>
+              </a:ext>
+            </a:extLst>
+          </p:cNvPr>
+          <p:cNvPicPr>
+            <a:picLocks noChangeAspect="1"/>
+          </p:cNvPicPr>
+          <p:nvPr/>
+        </p:nvPicPr>
+        <p:blipFill>
+          <a:blip r:embed="rId3">
+            <a:extLst>
+              <a:ext uri="{96DAC541-7B7A-43D3-8B79-37D633B846F1}">
+                <asvg:svgBlip xmlns:asvg="http://schemas.microsoft.com/office/drawing/2016/SVG/main" r:embed="rId4"/>
+              </a:ext>
+            </a:extLst>
+          </a:blip>
+          <a:srcRect/>
+          <a:stretch/>
+        </p:blipFill>
+        <p:spPr>
+          <a:xfrm>
+            <a:off x="2403480" y="1226574"/>
+            <a:ext cx="1713392" cy="1847662"/>
+          </a:xfrm>
+          <a:prstGeom prst="rect">
+            <a:avLst/>
+          </a:prstGeom>
+        </p:spPr>
+      </p:pic>
+      <p:sp>
+        <p:nvSpPr>
+          <p:cNvPr id="7" name="TextBox 6">
+            <a:extLst>
+              <a:ext uri="{FF2B5EF4-FFF2-40B4-BE49-F238E27FC236}">
+                <a16:creationId xmlns:a16="http://schemas.microsoft.com/office/drawing/2014/main" id="{28A41126-F8AA-4E6B-8DE3-53C4E51AD5C6}"/>
+              </a:ext>
+            </a:extLst>
+          </p:cNvPr>
+          <p:cNvSpPr txBox="1"/>
+          <p:nvPr/>
+        </p:nvSpPr>
+        <p:spPr>
+          <a:xfrm>
+            <a:off x="6784622" y="829451"/>
+            <a:ext cx="4526845" cy="369332"/>
+          </a:xfrm>
+          <a:prstGeom prst="rect">
+            <a:avLst/>
+          </a:prstGeom>
+          <a:noFill/>
+        </p:spPr>
+        <p:txBody>
+          <a:bodyPr wrap="square" rtlCol="0">
+            <a:spAutoFit/>
+          </a:bodyPr>
+          <a:lstStyle/>
+          <a:p>
+            <a:pPr algn="ctr"/>
+            <a:r>
+              <a:rPr lang="en-US" dirty="0"/>
+              <a:t>API </a:t>
+            </a:r>
+          </a:p>
+        </p:txBody>
+      </p:sp>
+      <p:pic>
+        <p:nvPicPr>
+          <p:cNvPr id="10" name="Picture 9">
+            <a:hlinkClick r:id="rId5" action="ppaction://hlinkfile"/>
+            <a:extLst>
+              <a:ext uri="{FF2B5EF4-FFF2-40B4-BE49-F238E27FC236}">
+                <a16:creationId xmlns:a16="http://schemas.microsoft.com/office/drawing/2014/main" id="{60B9BBC2-EC8A-4E4F-AA8D-FF9C89B6987B}"/>
+              </a:ext>
+            </a:extLst>
+          </p:cNvPr>
+          <p:cNvPicPr>
+            <a:picLocks noChangeAspect="1"/>
+          </p:cNvPicPr>
+          <p:nvPr/>
+        </p:nvPicPr>
+        <p:blipFill>
+          <a:blip r:embed="rId6"/>
+          <a:srcRect/>
+          <a:stretch/>
+        </p:blipFill>
+        <p:spPr>
+          <a:xfrm>
+            <a:off x="5264458" y="723902"/>
+            <a:ext cx="6631619" cy="5085550"/>
+          </a:xfrm>
+          <a:prstGeom prst="rect">
+            <a:avLst/>
+          </a:prstGeom>
+        </p:spPr>
+      </p:pic>
+      <p:sp>
+        <p:nvSpPr>
+          <p:cNvPr id="2" name="TextBox 1">
+            <a:extLst>
+              <a:ext uri="{FF2B5EF4-FFF2-40B4-BE49-F238E27FC236}">
+                <a16:creationId xmlns:a16="http://schemas.microsoft.com/office/drawing/2014/main" id="{2F0B14A2-57F0-4A13-BCD8-655CE6B2A196}"/>
+              </a:ext>
+            </a:extLst>
+          </p:cNvPr>
+          <p:cNvSpPr txBox="1"/>
+          <p:nvPr/>
+        </p:nvSpPr>
+        <p:spPr>
+          <a:xfrm>
+            <a:off x="581191" y="3204839"/>
+            <a:ext cx="5357970" cy="1754326"/>
+          </a:xfrm>
+          <a:prstGeom prst="rect">
+            <a:avLst/>
+          </a:prstGeom>
+          <a:noFill/>
+        </p:spPr>
+        <p:txBody>
+          <a:bodyPr wrap="square" rtlCol="0">
+            <a:spAutoFit/>
+          </a:bodyPr>
+          <a:lstStyle/>
+          <a:p>
+            <a:pPr algn="ctr"/>
+            <a:r>
+              <a:rPr lang="en-US" dirty="0"/>
+              <a:t>Hotel Data </a:t>
+            </a:r>
+          </a:p>
+          <a:p>
+            <a:pPr algn="ctr"/>
+            <a:r>
+              <a:rPr lang="en-US" dirty="0"/>
+              <a:t>High priced for every Database</a:t>
+            </a:r>
+          </a:p>
+          <a:p>
+            <a:pPr algn="ctr"/>
+            <a:r>
+              <a:rPr lang="en-US" dirty="0"/>
+              <a:t>Low priced for every Database</a:t>
+            </a:r>
+          </a:p>
+          <a:p>
+            <a:pPr algn="ctr"/>
+            <a:r>
+              <a:rPr lang="en-US" dirty="0"/>
+              <a:t>High Population </a:t>
+            </a:r>
+          </a:p>
+          <a:p>
+            <a:pPr algn="ctr"/>
+            <a:r>
+              <a:rPr lang="en-US" dirty="0"/>
+              <a:t>Hotels Per Person vs Restaurants Per Person</a:t>
+            </a:r>
+          </a:p>
+          <a:p>
+            <a:pPr algn="ctr"/>
+            <a:endParaRPr lang="en-US" dirty="0"/>
+          </a:p>
+        </p:txBody>
+      </p:sp>
+    </p:spTree>
+    <p:extLst>
+      <p:ext uri="{BB962C8B-B14F-4D97-AF65-F5344CB8AC3E}">
+        <p14:creationId xmlns:p14="http://schemas.microsoft.com/office/powerpoint/2010/main" val="968650757"/>
+      </p:ext>
+    </p:extLst>
+  </p:cSld>
+  <p:clrMapOvr>
+    <a:masterClrMapping/>
+  </p:clrMapOvr>
+</p:sld>
+</file>
+
+<file path=ppt/slides/slide12.xml><?xml version="1.0" encoding="utf-8"?>
+<p:sld xmlns:a="http://schemas.openxmlformats.org/drawingml/2006/main" xmlns:r="http://schemas.openxmlformats.org/officeDocument/2006/relationships" xmlns:p="http://schemas.openxmlformats.org/presentationml/2006/main">
+  <p:cSld>
     <p:bg>
       <p:bgPr>
         <a:solidFill>
@@ -8867,7 +9218,7 @@
       </p:sp>
       <p:pic>
         <p:nvPicPr>
-          <p:cNvPr id="5" name="Picture 4" descr="Digital Numbers">
+          <p:cNvPr id="5" name="Picture 4">
             <a:extLst>
               <a:ext uri="{FF2B5EF4-FFF2-40B4-BE49-F238E27FC236}">
                 <a16:creationId xmlns:a16="http://schemas.microsoft.com/office/drawing/2014/main" id="{A21EA617-6D48-425F-97A8-7FEC82C8F401}"/>
@@ -8879,21 +9230,15 @@
           </p:cNvPicPr>
           <p:nvPr/>
         </p:nvPicPr>
-        <p:blipFill rotWithShape="1">
-          <a:blip r:embed="rId3" cstate="screen">
-            <a:extLst>
-              <a:ext uri="{28A0092B-C50C-407E-A947-70E740481C1C}">
-                <a14:useLocalDpi xmlns:a14="http://schemas.microsoft.com/office/drawing/2010/main"/>
-              </a:ext>
-            </a:extLst>
-          </a:blip>
-          <a:srcRect l="2189" r="9642" b="1"/>
+        <p:blipFill>
+          <a:blip r:embed="rId3"/>
+          <a:srcRect/>
           <a:stretch/>
         </p:blipFill>
         <p:spPr>
           <a:xfrm>
-            <a:off x="446534" y="723899"/>
-            <a:ext cx="7498616" cy="5676901"/>
+            <a:off x="1169814" y="1940767"/>
+            <a:ext cx="6144032" cy="4112537"/>
           </a:xfrm>
           <a:prstGeom prst="rect">
             <a:avLst/>
@@ -8956,45 +9301,6 @@
       </p:sp>
       <p:sp>
         <p:nvSpPr>
-          <p:cNvPr id="2" name="Title 1">
-            <a:extLst>
-              <a:ext uri="{FF2B5EF4-FFF2-40B4-BE49-F238E27FC236}">
-                <a16:creationId xmlns:a16="http://schemas.microsoft.com/office/drawing/2014/main" id="{0F87E73C-2B1A-4602-BFBE-CFE1E55D9B38}"/>
-              </a:ext>
-            </a:extLst>
-          </p:cNvPr>
-          <p:cNvSpPr>
-            <a:spLocks noGrp="1"/>
-          </p:cNvSpPr>
-          <p:nvPr>
-            <p:ph type="ctrTitle"/>
-          </p:nvPr>
-        </p:nvSpPr>
-        <p:spPr>
-          <a:xfrm>
-            <a:off x="8296275" y="1419226"/>
-            <a:ext cx="3081576" cy="1746762"/>
-          </a:xfrm>
-        </p:spPr>
-        <p:txBody>
-          <a:bodyPr>
-            <a:normAutofit/>
-          </a:bodyPr>
-          <a:lstStyle/>
-          <a:p>
-            <a:r>
-              <a:rPr lang="en-US" dirty="0">
-                <a:solidFill>
-                  <a:srgbClr val="FFFFFF"/>
-                </a:solidFill>
-              </a:rPr>
-              <a:t>Thank You</a:t>
-            </a:r>
-          </a:p>
-        </p:txBody>
-      </p:sp>
-      <p:sp>
-        <p:nvSpPr>
           <p:cNvPr id="3" name="Subtitle 2">
             <a:extLst>
               <a:ext uri="{FF2B5EF4-FFF2-40B4-BE49-F238E27FC236}">
@@ -9020,16 +9326,6 @@
             <a:normAutofit/>
           </a:bodyPr>
           <a:lstStyle/>
-          <a:p>
-            <a:r>
-              <a:rPr lang="en-US" dirty="0">
-                <a:solidFill>
-                  <a:schemeClr val="bg2"/>
-                </a:solidFill>
-              </a:rPr>
-              <a:t>someone@example.com</a:t>
-            </a:r>
-          </a:p>
           <a:p>
             <a:endParaRPr lang="en-US" dirty="0">
               <a:solidFill>
@@ -9234,6 +9530,127 @@
           </p:style>
         </p:sp>
       </p:grpSp>
+      <p:sp>
+        <p:nvSpPr>
+          <p:cNvPr id="4" name="TextBox 3">
+            <a:extLst>
+              <a:ext uri="{FF2B5EF4-FFF2-40B4-BE49-F238E27FC236}">
+                <a16:creationId xmlns:a16="http://schemas.microsoft.com/office/drawing/2014/main" id="{7D99D63E-F304-41E8-82E8-A33DE0717F24}"/>
+              </a:ext>
+            </a:extLst>
+          </p:cNvPr>
+          <p:cNvSpPr txBox="1"/>
+          <p:nvPr/>
+        </p:nvSpPr>
+        <p:spPr>
+          <a:xfrm>
+            <a:off x="8042147" y="723899"/>
+            <a:ext cx="3703320" cy="2585323"/>
+          </a:xfrm>
+          <a:prstGeom prst="rect">
+            <a:avLst/>
+          </a:prstGeom>
+          <a:noFill/>
+        </p:spPr>
+        <p:txBody>
+          <a:bodyPr wrap="square" rtlCol="0">
+            <a:spAutoFit/>
+          </a:bodyPr>
+          <a:lstStyle/>
+          <a:p>
+            <a:r>
+              <a:rPr lang="en-US" dirty="0">
+                <a:solidFill>
+                  <a:schemeClr val="bg1"/>
+                </a:solidFill>
+              </a:rPr>
+              <a:t>Fellow classmates, Thank you!</a:t>
+            </a:r>
+          </a:p>
+          <a:p>
+            <a:r>
+              <a:rPr lang="en-US" dirty="0">
+                <a:solidFill>
+                  <a:schemeClr val="bg1"/>
+                </a:solidFill>
+              </a:rPr>
+              <a:t>You’re all awesome!</a:t>
+            </a:r>
+          </a:p>
+          <a:p>
+            <a:endParaRPr lang="en-US" dirty="0">
+              <a:solidFill>
+                <a:schemeClr val="bg1"/>
+              </a:solidFill>
+            </a:endParaRPr>
+          </a:p>
+          <a:p>
+            <a:r>
+              <a:rPr lang="en-US" dirty="0">
+                <a:solidFill>
+                  <a:schemeClr val="bg1"/>
+                </a:solidFill>
+              </a:rPr>
+              <a:t>TA’s, Thank you! </a:t>
+            </a:r>
+          </a:p>
+          <a:p>
+            <a:r>
+              <a:rPr lang="en-US" dirty="0">
+                <a:solidFill>
+                  <a:schemeClr val="bg1"/>
+                </a:solidFill>
+              </a:rPr>
+              <a:t>You’re also super awesome!</a:t>
+            </a:r>
+          </a:p>
+          <a:p>
+            <a:endParaRPr lang="en-US" dirty="0">
+              <a:solidFill>
+                <a:schemeClr val="bg1"/>
+              </a:solidFill>
+            </a:endParaRPr>
+          </a:p>
+          <a:p>
+            <a:r>
+              <a:rPr lang="en-US" dirty="0">
+                <a:solidFill>
+                  <a:schemeClr val="bg1"/>
+                </a:solidFill>
+              </a:rPr>
+              <a:t>And of course….</a:t>
+            </a:r>
+          </a:p>
+          <a:p>
+            <a:r>
+              <a:rPr lang="en-US" dirty="0" err="1">
+                <a:solidFill>
+                  <a:schemeClr val="bg1"/>
+                </a:solidFill>
+              </a:rPr>
+              <a:t>Svitlana</a:t>
+            </a:r>
+            <a:r>
+              <a:rPr lang="en-US" dirty="0">
+                <a:solidFill>
+                  <a:schemeClr val="bg1"/>
+                </a:solidFill>
+              </a:rPr>
+              <a:t>, thank you so much!</a:t>
+            </a:r>
+          </a:p>
+          <a:p>
+            <a:r>
+              <a:rPr lang="en-US" dirty="0">
+                <a:solidFill>
+                  <a:schemeClr val="bg1"/>
+                </a:solidFill>
+              </a:rPr>
+              <a:t>You’re extra super awesome!</a:t>
+            </a:r>
+          </a:p>
+        </p:txBody>
+      </p:sp>
     </p:spTree>
     <p:extLst>
       <p:ext uri="{BB962C8B-B14F-4D97-AF65-F5344CB8AC3E}">
@@ -12945,15 +13362,6 @@
 </file>
 
 <file path=customXml/item2.xml><?xml version="1.0" encoding="utf-8"?>
-<?mso-contentType ?>
-<FormTemplates xmlns="http://schemas.microsoft.com/sharepoint/v3/contenttype/forms">
-  <Display>DocumentLibraryForm</Display>
-  <Edit>DocumentLibraryForm</Edit>
-  <New>DocumentLibraryForm</New>
-</FormTemplates>
-</file>
-
-<file path=customXml/item3.xml><?xml version="1.0" encoding="utf-8"?>
 <ct:contentTypeSchema xmlns:ct="http://schemas.microsoft.com/office/2006/metadata/contentType" xmlns:ma="http://schemas.microsoft.com/office/2006/metadata/properties/metaAttributes" ct:_="" ma:_="" ma:contentTypeName="Document" ma:contentTypeID="0x01010079F111ED35F8CC479449609E8A0923A6" ma:contentTypeVersion="12" ma:contentTypeDescription="Create a new document." ma:contentTypeScope="" ma:versionID="93813dd7ca6ad654711aa0ab317e03a3">
   <xsd:schema xmlns:xsd="http://www.w3.org/2001/XMLSchema" xmlns:xs="http://www.w3.org/2001/XMLSchema" xmlns:p="http://schemas.microsoft.com/office/2006/metadata/properties" xmlns:ns2="71af3243-3dd4-4a8d-8c0d-dd76da1f02a5" xmlns:ns3="16c05727-aa75-4e4a-9b5f-8a80a1165891" targetNamespace="http://schemas.microsoft.com/office/2006/metadata/properties" ma:root="true" ma:fieldsID="f11dc0ce689dd3925e84e4e35398c6e7" ns2:_="" ns3:_="">
     <xsd:import namespace="71af3243-3dd4-4a8d-8c0d-dd76da1f02a5"/>
@@ -13174,6 +13582,15 @@
 </ct:contentTypeSchema>
 </file>
 
+<file path=customXml/item3.xml><?xml version="1.0" encoding="utf-8"?>
+<?mso-contentType ?>
+<FormTemplates xmlns="http://schemas.microsoft.com/sharepoint/v3/contenttype/forms">
+  <Display>DocumentLibraryForm</Display>
+  <Edit>DocumentLibraryForm</Edit>
+  <New>DocumentLibraryForm</New>
+</FormTemplates>
+</file>
+
 <file path=customXml/itemProps1.xml><?xml version="1.0" encoding="utf-8"?>
 <ds:datastoreItem xmlns:ds="http://schemas.openxmlformats.org/officeDocument/2006/customXml" ds:itemID="{D9AA5B70-631E-4F47-874A-FBE55E5170D4}">
   <ds:schemaRefs>
@@ -13185,14 +13602,6 @@
 </file>
 
 <file path=customXml/itemProps2.xml><?xml version="1.0" encoding="utf-8"?>
-<ds:datastoreItem xmlns:ds="http://schemas.openxmlformats.org/officeDocument/2006/customXml" ds:itemID="{CF1C31AD-A7B7-4945-9E95-3D677967432A}">
-  <ds:schemaRefs>
-    <ds:schemaRef ds:uri="http://schemas.microsoft.com/sharepoint/v3/contenttype/forms"/>
-  </ds:schemaRefs>
-</ds:datastoreItem>
-</file>
-
-<file path=customXml/itemProps3.xml><?xml version="1.0" encoding="utf-8"?>
 <ds:datastoreItem xmlns:ds="http://schemas.openxmlformats.org/officeDocument/2006/customXml" ds:itemID="{964D6DDB-133E-44E2-B636-39185D690A0D}">
   <ds:schemaRefs>
     <ds:schemaRef ds:uri="http://schemas.microsoft.com/office/2006/metadata/contentType"/>
@@ -13209,4 +13618,12 @@
     <ds:schemaRef ds:uri="http://schemas.microsoft.com/internal/obd"/>
   </ds:schemaRefs>
 </ds:datastoreItem>
+</file>
+
+<file path=customXml/itemProps3.xml><?xml version="1.0" encoding="utf-8"?>
+<ds:datastoreItem xmlns:ds="http://schemas.openxmlformats.org/officeDocument/2006/customXml" ds:itemID="{CF1C31AD-A7B7-4945-9E95-3D677967432A}">
+  <ds:schemaRefs>
+    <ds:schemaRef ds:uri="http://schemas.microsoft.com/sharepoint/v3/contenttype/forms"/>
+  </ds:schemaRefs>
+</ds:datastoreItem>
 </file>